--- a/parlons_cine.pptx
+++ b/parlons_cine.pptx
@@ -6,6 +6,11 @@
   </p:sldMasterIdLst>
   <p:sldIdLst>
     <p:sldId id="257" r:id="rId2"/>
+    <p:sldId id="258" r:id="rId3"/>
+    <p:sldId id="259" r:id="rId4"/>
+    <p:sldId id="260" r:id="rId5"/>
+    <p:sldId id="261" r:id="rId6"/>
+    <p:sldId id="262" r:id="rId7"/>
   </p:sldIdLst>
   <p:sldSz cx="12192000" cy="6858000"/>
   <p:notesSz cx="6858000" cy="9144000"/>
@@ -104,6 +109,11 @@
       </a:defRPr>
     </a:lvl9pPr>
   </p:defaultTextStyle>
+  <p:extLst>
+    <p:ext uri="{EFAFB233-063F-42B5-8137-9DF3F51BA10A}">
+      <p15:sldGuideLst xmlns:p15="http://schemas.microsoft.com/office/powerpoint/2012/main"/>
+    </p:ext>
+  </p:extLst>
 </p:presentation>
 </file>
 
@@ -254,7 +264,7 @@
           <a:p>
             <a:fld id="{A770DFBB-7644-9E43-B8B6-AAD73F564314}" type="datetimeFigureOut">
               <a:rPr lang="fr-FR" smtClean="0"/>
-              <a:t>01/08/2023</a:t>
+              <a:t>02/08/2023</a:t>
             </a:fld>
             <a:endParaRPr lang="fr-FR"/>
           </a:p>
@@ -452,7 +462,7 @@
           <a:p>
             <a:fld id="{A770DFBB-7644-9E43-B8B6-AAD73F564314}" type="datetimeFigureOut">
               <a:rPr lang="fr-FR" smtClean="0"/>
-              <a:t>01/08/2023</a:t>
+              <a:t>02/08/2023</a:t>
             </a:fld>
             <a:endParaRPr lang="fr-FR"/>
           </a:p>
@@ -660,7 +670,7 @@
           <a:p>
             <a:fld id="{A770DFBB-7644-9E43-B8B6-AAD73F564314}" type="datetimeFigureOut">
               <a:rPr lang="fr-FR" smtClean="0"/>
-              <a:t>01/08/2023</a:t>
+              <a:t>02/08/2023</a:t>
             </a:fld>
             <a:endParaRPr lang="fr-FR"/>
           </a:p>
@@ -858,7 +868,7 @@
           <a:p>
             <a:fld id="{A770DFBB-7644-9E43-B8B6-AAD73F564314}" type="datetimeFigureOut">
               <a:rPr lang="fr-FR" smtClean="0"/>
-              <a:t>01/08/2023</a:t>
+              <a:t>02/08/2023</a:t>
             </a:fld>
             <a:endParaRPr lang="fr-FR"/>
           </a:p>
@@ -1133,7 +1143,7 @@
           <a:p>
             <a:fld id="{A770DFBB-7644-9E43-B8B6-AAD73F564314}" type="datetimeFigureOut">
               <a:rPr lang="fr-FR" smtClean="0"/>
-              <a:t>01/08/2023</a:t>
+              <a:t>02/08/2023</a:t>
             </a:fld>
             <a:endParaRPr lang="fr-FR"/>
           </a:p>
@@ -1398,7 +1408,7 @@
           <a:p>
             <a:fld id="{A770DFBB-7644-9E43-B8B6-AAD73F564314}" type="datetimeFigureOut">
               <a:rPr lang="fr-FR" smtClean="0"/>
-              <a:t>01/08/2023</a:t>
+              <a:t>02/08/2023</a:t>
             </a:fld>
             <a:endParaRPr lang="fr-FR"/>
           </a:p>
@@ -1810,7 +1820,7 @@
           <a:p>
             <a:fld id="{A770DFBB-7644-9E43-B8B6-AAD73F564314}" type="datetimeFigureOut">
               <a:rPr lang="fr-FR" smtClean="0"/>
-              <a:t>01/08/2023</a:t>
+              <a:t>02/08/2023</a:t>
             </a:fld>
             <a:endParaRPr lang="fr-FR"/>
           </a:p>
@@ -1951,7 +1961,7 @@
           <a:p>
             <a:fld id="{A770DFBB-7644-9E43-B8B6-AAD73F564314}" type="datetimeFigureOut">
               <a:rPr lang="fr-FR" smtClean="0"/>
-              <a:t>01/08/2023</a:t>
+              <a:t>02/08/2023</a:t>
             </a:fld>
             <a:endParaRPr lang="fr-FR"/>
           </a:p>
@@ -2064,7 +2074,7 @@
           <a:p>
             <a:fld id="{A770DFBB-7644-9E43-B8B6-AAD73F564314}" type="datetimeFigureOut">
               <a:rPr lang="fr-FR" smtClean="0"/>
-              <a:t>01/08/2023</a:t>
+              <a:t>02/08/2023</a:t>
             </a:fld>
             <a:endParaRPr lang="fr-FR"/>
           </a:p>
@@ -2375,7 +2385,7 @@
           <a:p>
             <a:fld id="{A770DFBB-7644-9E43-B8B6-AAD73F564314}" type="datetimeFigureOut">
               <a:rPr lang="fr-FR" smtClean="0"/>
-              <a:t>01/08/2023</a:t>
+              <a:t>02/08/2023</a:t>
             </a:fld>
             <a:endParaRPr lang="fr-FR"/>
           </a:p>
@@ -2663,7 +2673,7 @@
           <a:p>
             <a:fld id="{A770DFBB-7644-9E43-B8B6-AAD73F564314}" type="datetimeFigureOut">
               <a:rPr lang="fr-FR" smtClean="0"/>
-              <a:t>01/08/2023</a:t>
+              <a:t>02/08/2023</a:t>
             </a:fld>
             <a:endParaRPr lang="fr-FR"/>
           </a:p>
@@ -2904,7 +2914,7 @@
           <a:p>
             <a:fld id="{A770DFBB-7644-9E43-B8B6-AAD73F564314}" type="datetimeFigureOut">
               <a:rPr lang="fr-FR" smtClean="0"/>
-              <a:t>01/08/2023</a:t>
+              <a:t>02/08/2023</a:t>
             </a:fld>
             <a:endParaRPr lang="fr-FR"/>
           </a:p>
@@ -3350,16 +3360,94 @@
           <a:lstStyle/>
           <a:p>
             <a:r>
+              <a:rPr lang="fr-FR" sz="3600" b="1" dirty="0"/>
+              <a:t>Est-ce que le cinéma est vraiment en perte de vitesse ?</a:t>
+            </a:r>
+          </a:p>
+        </p:txBody>
+      </p:sp>
+      <p:sp>
+        <p:nvSpPr>
+          <p:cNvPr id="3" name="ZoneTexte 2">
+            <a:extLst>
+              <a:ext uri="{FF2B5EF4-FFF2-40B4-BE49-F238E27FC236}">
+                <a16:creationId xmlns:a16="http://schemas.microsoft.com/office/drawing/2014/main" id="{B7F69031-6315-6443-A4F9-E7347C294A55}"/>
+              </a:ext>
+            </a:extLst>
+          </p:cNvPr>
+          <p:cNvSpPr txBox="1"/>
+          <p:nvPr/>
+        </p:nvSpPr>
+        <p:spPr>
+          <a:xfrm>
+            <a:off x="739036" y="1828428"/>
+            <a:ext cx="9055877" cy="1200329"/>
+          </a:xfrm>
+          <a:prstGeom prst="rect">
+            <a:avLst/>
+          </a:prstGeom>
+          <a:noFill/>
+        </p:spPr>
+        <p:txBody>
+          <a:bodyPr wrap="none" rtlCol="0">
+            <a:spAutoFit/>
+          </a:bodyPr>
+          <a:lstStyle/>
+          <a:p>
+            <a:r>
               <a:rPr lang="fr-FR" dirty="0"/>
-              <a:t>2) ils veulent également approfondir les moyens d'</a:t>
-            </a:r>
-            <a:r>
-              <a:rPr lang="fr-FR" b="1" dirty="0"/>
-              <a:t>acquisition</a:t>
+              <a:t>Cette analyse exclue l’année 2020 qui marque la crise internationale de la </a:t>
+            </a:r>
+            <a:r>
+              <a:rPr lang="fr-FR" dirty="0" err="1"/>
+              <a:t>Covid</a:t>
             </a:r>
             <a:r>
               <a:rPr lang="fr-FR" dirty="0"/>
-              <a:t>. D'où viennent ces visiteurs ? De quels canaux proviennent-ils ? Quelles campagnes fonctionnent le mieux ?</a:t>
+              <a:t>.</a:t>
+            </a:r>
+          </a:p>
+          <a:p>
+            <a:r>
+              <a:rPr lang="fr-FR" dirty="0"/>
+              <a:t>L’analyse exclue également les probables changements dans les comportements induits</a:t>
+            </a:r>
+          </a:p>
+          <a:p>
+            <a:r>
+              <a:rPr lang="fr-FR" dirty="0"/>
+              <a:t>par le développement des plateformes de streaming (</a:t>
+            </a:r>
+            <a:r>
+              <a:rPr lang="fr-FR" dirty="0" err="1"/>
+              <a:t>Netflix</a:t>
+            </a:r>
+            <a:r>
+              <a:rPr lang="fr-FR" dirty="0"/>
+              <a:t>, Amazon)</a:t>
+            </a:r>
+            <a:br>
+              <a:rPr lang="fr-FR" dirty="0"/>
+            </a:br>
+            <a:r>
+              <a:rPr lang="fr-FR" dirty="0"/>
+              <a:t>et de la consommation de service de vidéo en ligne comme </a:t>
+            </a:r>
+            <a:r>
+              <a:rPr lang="fr-FR" dirty="0" err="1"/>
+              <a:t>Youtube</a:t>
+            </a:r>
+            <a:r>
+              <a:rPr lang="fr-FR" dirty="0"/>
+              <a:t> et </a:t>
+            </a:r>
+            <a:r>
+              <a:rPr lang="fr-FR" dirty="0" err="1"/>
+              <a:t>Twitch</a:t>
+            </a:r>
+            <a:r>
+              <a:rPr lang="fr-FR" dirty="0"/>
+              <a:t> chez les jeunes. </a:t>
             </a:r>
           </a:p>
         </p:txBody>
@@ -3368,6 +3456,637 @@
     <p:extLst>
       <p:ext uri="{BB962C8B-B14F-4D97-AF65-F5344CB8AC3E}">
         <p14:creationId xmlns:p14="http://schemas.microsoft.com/office/powerpoint/2010/main" val="3197439987"/>
+      </p:ext>
+    </p:extLst>
+  </p:cSld>
+  <p:clrMapOvr>
+    <a:masterClrMapping/>
+  </p:clrMapOvr>
+</p:sld>
+</file>
+
+<file path=ppt/slides/slide2.xml><?xml version="1.0" encoding="utf-8"?>
+<p:sld xmlns:a="http://schemas.openxmlformats.org/drawingml/2006/main" xmlns:r="http://schemas.openxmlformats.org/officeDocument/2006/relationships" xmlns:p="http://schemas.openxmlformats.org/presentationml/2006/main">
+  <p:cSld>
+    <p:spTree>
+      <p:nvGrpSpPr>
+        <p:cNvPr id="1" name=""/>
+        <p:cNvGrpSpPr/>
+        <p:nvPr/>
+      </p:nvGrpSpPr>
+      <p:grpSpPr>
+        <a:xfrm>
+          <a:off x="0" y="0"/>
+          <a:ext cx="0" cy="0"/>
+          <a:chOff x="0" y="0"/>
+          <a:chExt cx="0" cy="0"/>
+        </a:xfrm>
+      </p:grpSpPr>
+      <p:sp>
+        <p:nvSpPr>
+          <p:cNvPr id="2" name="Titre 1">
+            <a:extLst>
+              <a:ext uri="{FF2B5EF4-FFF2-40B4-BE49-F238E27FC236}">
+                <a16:creationId xmlns:a16="http://schemas.microsoft.com/office/drawing/2014/main" id="{F02023DA-E73F-CB41-AFE0-84083F975214}"/>
+              </a:ext>
+            </a:extLst>
+          </p:cNvPr>
+          <p:cNvSpPr>
+            <a:spLocks noGrp="1"/>
+          </p:cNvSpPr>
+          <p:nvPr>
+            <p:ph type="title"/>
+          </p:nvPr>
+        </p:nvSpPr>
+        <p:spPr/>
+        <p:txBody>
+          <a:bodyPr>
+            <a:normAutofit/>
+          </a:bodyPr>
+          <a:lstStyle/>
+          <a:p>
+            <a:r>
+              <a:rPr lang="fr-FR" sz="3200" dirty="0"/>
+              <a:t>Le nombre d’entrée reste stable depuis 1980</a:t>
+            </a:r>
+          </a:p>
+        </p:txBody>
+      </p:sp>
+      <p:pic>
+        <p:nvPicPr>
+          <p:cNvPr id="5" name="Image 4">
+            <a:extLst>
+              <a:ext uri="{FF2B5EF4-FFF2-40B4-BE49-F238E27FC236}">
+                <a16:creationId xmlns:a16="http://schemas.microsoft.com/office/drawing/2014/main" id="{051CAE51-0689-3D4B-AAB5-3E0F29A5D458}"/>
+              </a:ext>
+            </a:extLst>
+          </p:cNvPr>
+          <p:cNvPicPr>
+            <a:picLocks noChangeAspect="1"/>
+          </p:cNvPicPr>
+          <p:nvPr/>
+        </p:nvPicPr>
+        <p:blipFill>
+          <a:blip r:embed="rId2"/>
+          <a:stretch>
+            <a:fillRect/>
+          </a:stretch>
+        </p:blipFill>
+        <p:spPr>
+          <a:xfrm>
+            <a:off x="1216153" y="1460087"/>
+            <a:ext cx="9439656" cy="5397913"/>
+          </a:xfrm>
+          <a:prstGeom prst="rect">
+            <a:avLst/>
+          </a:prstGeom>
+        </p:spPr>
+      </p:pic>
+    </p:spTree>
+    <p:extLst>
+      <p:ext uri="{BB962C8B-B14F-4D97-AF65-F5344CB8AC3E}">
+        <p14:creationId xmlns:p14="http://schemas.microsoft.com/office/powerpoint/2010/main" val="2002223153"/>
+      </p:ext>
+    </p:extLst>
+  </p:cSld>
+  <p:clrMapOvr>
+    <a:masterClrMapping/>
+  </p:clrMapOvr>
+</p:sld>
+</file>
+
+<file path=ppt/slides/slide3.xml><?xml version="1.0" encoding="utf-8"?>
+<p:sld xmlns:a="http://schemas.openxmlformats.org/drawingml/2006/main" xmlns:r="http://schemas.openxmlformats.org/officeDocument/2006/relationships" xmlns:p="http://schemas.openxmlformats.org/presentationml/2006/main">
+  <p:cSld>
+    <p:spTree>
+      <p:nvGrpSpPr>
+        <p:cNvPr id="1" name=""/>
+        <p:cNvGrpSpPr/>
+        <p:nvPr/>
+      </p:nvGrpSpPr>
+      <p:grpSpPr>
+        <a:xfrm>
+          <a:off x="0" y="0"/>
+          <a:ext cx="0" cy="0"/>
+          <a:chOff x="0" y="0"/>
+          <a:chExt cx="0" cy="0"/>
+        </a:xfrm>
+      </p:grpSpPr>
+      <p:sp>
+        <p:nvSpPr>
+          <p:cNvPr id="2" name="Titre 1">
+            <a:extLst>
+              <a:ext uri="{FF2B5EF4-FFF2-40B4-BE49-F238E27FC236}">
+                <a16:creationId xmlns:a16="http://schemas.microsoft.com/office/drawing/2014/main" id="{6A0AD194-6731-6A48-9288-EECD5C9B715B}"/>
+              </a:ext>
+            </a:extLst>
+          </p:cNvPr>
+          <p:cNvSpPr>
+            <a:spLocks noGrp="1"/>
+          </p:cNvSpPr>
+          <p:nvPr>
+            <p:ph type="title"/>
+          </p:nvPr>
+        </p:nvSpPr>
+        <p:spPr/>
+        <p:txBody>
+          <a:bodyPr/>
+          <a:lstStyle/>
+          <a:p>
+            <a:r>
+              <a:rPr lang="fr-FR" dirty="0"/>
+              <a:t>Une offre de films qui a presque doublée en 40 ans</a:t>
+            </a:r>
+          </a:p>
+        </p:txBody>
+      </p:sp>
+      <p:pic>
+        <p:nvPicPr>
+          <p:cNvPr id="5" name="Image 4">
+            <a:extLst>
+              <a:ext uri="{FF2B5EF4-FFF2-40B4-BE49-F238E27FC236}">
+                <a16:creationId xmlns:a16="http://schemas.microsoft.com/office/drawing/2014/main" id="{FDC7631F-9508-AC49-94DA-7DA725476119}"/>
+              </a:ext>
+            </a:extLst>
+          </p:cNvPr>
+          <p:cNvPicPr>
+            <a:picLocks noChangeAspect="1"/>
+          </p:cNvPicPr>
+          <p:nvPr/>
+        </p:nvPicPr>
+        <p:blipFill>
+          <a:blip r:embed="rId2"/>
+          <a:stretch>
+            <a:fillRect/>
+          </a:stretch>
+        </p:blipFill>
+        <p:spPr>
+          <a:xfrm>
+            <a:off x="1133856" y="2092377"/>
+            <a:ext cx="9924288" cy="4765623"/>
+          </a:xfrm>
+          <a:prstGeom prst="rect">
+            <a:avLst/>
+          </a:prstGeom>
+        </p:spPr>
+      </p:pic>
+    </p:spTree>
+    <p:extLst>
+      <p:ext uri="{BB962C8B-B14F-4D97-AF65-F5344CB8AC3E}">
+        <p14:creationId xmlns:p14="http://schemas.microsoft.com/office/powerpoint/2010/main" val="2348591734"/>
+      </p:ext>
+    </p:extLst>
+  </p:cSld>
+  <p:clrMapOvr>
+    <a:masterClrMapping/>
+  </p:clrMapOvr>
+</p:sld>
+</file>
+
+<file path=ppt/slides/slide4.xml><?xml version="1.0" encoding="utf-8"?>
+<p:sld xmlns:a="http://schemas.openxmlformats.org/drawingml/2006/main" xmlns:r="http://schemas.openxmlformats.org/officeDocument/2006/relationships" xmlns:p="http://schemas.openxmlformats.org/presentationml/2006/main">
+  <p:cSld>
+    <p:spTree>
+      <p:nvGrpSpPr>
+        <p:cNvPr id="1" name=""/>
+        <p:cNvGrpSpPr/>
+        <p:nvPr/>
+      </p:nvGrpSpPr>
+      <p:grpSpPr>
+        <a:xfrm>
+          <a:off x="0" y="0"/>
+          <a:ext cx="0" cy="0"/>
+          <a:chOff x="0" y="0"/>
+          <a:chExt cx="0" cy="0"/>
+        </a:xfrm>
+      </p:grpSpPr>
+      <p:sp>
+        <p:nvSpPr>
+          <p:cNvPr id="2" name="Titre 1">
+            <a:extLst>
+              <a:ext uri="{FF2B5EF4-FFF2-40B4-BE49-F238E27FC236}">
+                <a16:creationId xmlns:a16="http://schemas.microsoft.com/office/drawing/2014/main" id="{53AD0C34-2103-C140-B334-933E40ADFB82}"/>
+              </a:ext>
+            </a:extLst>
+          </p:cNvPr>
+          <p:cNvSpPr>
+            <a:spLocks noGrp="1"/>
+          </p:cNvSpPr>
+          <p:nvPr>
+            <p:ph type="title"/>
+          </p:nvPr>
+        </p:nvSpPr>
+        <p:spPr>
+          <a:xfrm>
+            <a:off x="462419" y="14396"/>
+            <a:ext cx="10515600" cy="1325563"/>
+          </a:xfrm>
+        </p:spPr>
+        <p:txBody>
+          <a:bodyPr/>
+          <a:lstStyle/>
+          <a:p>
+            <a:r>
+              <a:rPr lang="fr-FR" dirty="0"/>
+              <a:t>Une activité qui devient plus accessible</a:t>
+            </a:r>
+          </a:p>
+        </p:txBody>
+      </p:sp>
+      <p:pic>
+        <p:nvPicPr>
+          <p:cNvPr id="5" name="Espace réservé du contenu 4">
+            <a:extLst>
+              <a:ext uri="{FF2B5EF4-FFF2-40B4-BE49-F238E27FC236}">
+                <a16:creationId xmlns:a16="http://schemas.microsoft.com/office/drawing/2014/main" id="{822027D3-FB6A-0645-AD81-3E61EC97C45F}"/>
+              </a:ext>
+            </a:extLst>
+          </p:cNvPr>
+          <p:cNvPicPr>
+            <a:picLocks noGrp="1" noChangeAspect="1"/>
+          </p:cNvPicPr>
+          <p:nvPr>
+            <p:ph idx="1"/>
+          </p:nvPr>
+        </p:nvPicPr>
+        <p:blipFill>
+          <a:blip r:embed="rId2"/>
+          <a:stretch>
+            <a:fillRect/>
+          </a:stretch>
+        </p:blipFill>
+        <p:spPr>
+          <a:xfrm>
+            <a:off x="2251921" y="1127343"/>
+            <a:ext cx="6160748" cy="5503319"/>
+          </a:xfrm>
+        </p:spPr>
+      </p:pic>
+      <p:sp>
+        <p:nvSpPr>
+          <p:cNvPr id="6" name="Rectangle 5">
+            <a:extLst>
+              <a:ext uri="{FF2B5EF4-FFF2-40B4-BE49-F238E27FC236}">
+                <a16:creationId xmlns:a16="http://schemas.microsoft.com/office/drawing/2014/main" id="{FAA279C9-EA42-5F41-9768-5FBAD5EA08E4}"/>
+              </a:ext>
+            </a:extLst>
+          </p:cNvPr>
+          <p:cNvSpPr/>
+          <p:nvPr/>
+        </p:nvSpPr>
+        <p:spPr>
+          <a:xfrm>
+            <a:off x="8922383" y="1735735"/>
+            <a:ext cx="313151" cy="350729"/>
+          </a:xfrm>
+          <a:prstGeom prst="rect">
+            <a:avLst/>
+          </a:prstGeom>
+          <a:solidFill>
+            <a:schemeClr val="bg2">
+              <a:lumMod val="75000"/>
+            </a:schemeClr>
+          </a:solidFill>
+        </p:spPr>
+        <p:style>
+          <a:lnRef idx="2">
+            <a:schemeClr val="accent1">
+              <a:shade val="50000"/>
+            </a:schemeClr>
+          </a:lnRef>
+          <a:fillRef idx="1">
+            <a:schemeClr val="accent1"/>
+          </a:fillRef>
+          <a:effectRef idx="0">
+            <a:schemeClr val="accent1"/>
+          </a:effectRef>
+          <a:fontRef idx="minor">
+            <a:schemeClr val="lt1"/>
+          </a:fontRef>
+        </p:style>
+        <p:txBody>
+          <a:bodyPr rtlCol="0" anchor="ctr"/>
+          <a:lstStyle/>
+          <a:p>
+            <a:pPr algn="ctr"/>
+            <a:endParaRPr lang="fr-FR"/>
+          </a:p>
+        </p:txBody>
+      </p:sp>
+      <p:sp>
+        <p:nvSpPr>
+          <p:cNvPr id="7" name="Rectangle 6">
+            <a:extLst>
+              <a:ext uri="{FF2B5EF4-FFF2-40B4-BE49-F238E27FC236}">
+                <a16:creationId xmlns:a16="http://schemas.microsoft.com/office/drawing/2014/main" id="{3D305AA8-912A-5F48-939E-9501FC4D9619}"/>
+              </a:ext>
+            </a:extLst>
+          </p:cNvPr>
+          <p:cNvSpPr/>
+          <p:nvPr/>
+        </p:nvSpPr>
+        <p:spPr>
+          <a:xfrm>
+            <a:off x="8922383" y="2482241"/>
+            <a:ext cx="313151" cy="350729"/>
+          </a:xfrm>
+          <a:prstGeom prst="rect">
+            <a:avLst/>
+          </a:prstGeom>
+          <a:solidFill>
+            <a:schemeClr val="accent2"/>
+          </a:solidFill>
+        </p:spPr>
+        <p:style>
+          <a:lnRef idx="2">
+            <a:schemeClr val="accent1">
+              <a:shade val="50000"/>
+            </a:schemeClr>
+          </a:lnRef>
+          <a:fillRef idx="1">
+            <a:schemeClr val="accent1"/>
+          </a:fillRef>
+          <a:effectRef idx="0">
+            <a:schemeClr val="accent1"/>
+          </a:effectRef>
+          <a:fontRef idx="minor">
+            <a:schemeClr val="lt1"/>
+          </a:fontRef>
+        </p:style>
+        <p:txBody>
+          <a:bodyPr rtlCol="0" anchor="ctr"/>
+          <a:lstStyle/>
+          <a:p>
+            <a:pPr algn="ctr"/>
+            <a:endParaRPr lang="fr-FR"/>
+          </a:p>
+        </p:txBody>
+      </p:sp>
+      <p:sp>
+        <p:nvSpPr>
+          <p:cNvPr id="8" name="ZoneTexte 7">
+            <a:extLst>
+              <a:ext uri="{FF2B5EF4-FFF2-40B4-BE49-F238E27FC236}">
+                <a16:creationId xmlns:a16="http://schemas.microsoft.com/office/drawing/2014/main" id="{95431BEA-BC24-184A-A543-CF5ABEC750B1}"/>
+              </a:ext>
+            </a:extLst>
+          </p:cNvPr>
+          <p:cNvSpPr txBox="1"/>
+          <p:nvPr/>
+        </p:nvSpPr>
+        <p:spPr>
+          <a:xfrm>
+            <a:off x="9346504" y="1587934"/>
+            <a:ext cx="2961516" cy="646331"/>
+          </a:xfrm>
+          <a:prstGeom prst="rect">
+            <a:avLst/>
+          </a:prstGeom>
+          <a:noFill/>
+        </p:spPr>
+        <p:txBody>
+          <a:bodyPr wrap="none" rtlCol="0">
+            <a:spAutoFit/>
+          </a:bodyPr>
+          <a:lstStyle/>
+          <a:p>
+            <a:r>
+              <a:rPr lang="fr-FR" dirty="0"/>
+              <a:t>Prix d’un ticket selon inflation</a:t>
+            </a:r>
+            <a:br>
+              <a:rPr lang="fr-FR" dirty="0"/>
+            </a:br>
+            <a:r>
+              <a:rPr lang="fr-FR" dirty="0"/>
+              <a:t>base 1980</a:t>
+            </a:r>
+          </a:p>
+        </p:txBody>
+      </p:sp>
+      <p:sp>
+        <p:nvSpPr>
+          <p:cNvPr id="9" name="ZoneTexte 8">
+            <a:extLst>
+              <a:ext uri="{FF2B5EF4-FFF2-40B4-BE49-F238E27FC236}">
+                <a16:creationId xmlns:a16="http://schemas.microsoft.com/office/drawing/2014/main" id="{5F2916C2-0B5F-794C-B638-9F016668D441}"/>
+              </a:ext>
+            </a:extLst>
+          </p:cNvPr>
+          <p:cNvSpPr txBox="1"/>
+          <p:nvPr/>
+        </p:nvSpPr>
+        <p:spPr>
+          <a:xfrm>
+            <a:off x="9346504" y="2334439"/>
+            <a:ext cx="2295565" cy="646331"/>
+          </a:xfrm>
+          <a:prstGeom prst="rect">
+            <a:avLst/>
+          </a:prstGeom>
+          <a:noFill/>
+        </p:spPr>
+        <p:txBody>
+          <a:bodyPr wrap="none" rtlCol="0">
+            <a:spAutoFit/>
+          </a:bodyPr>
+          <a:lstStyle/>
+          <a:p>
+            <a:r>
+              <a:rPr lang="fr-FR" dirty="0"/>
+              <a:t>Prix théorique</a:t>
+            </a:r>
+          </a:p>
+          <a:p>
+            <a:r>
+              <a:rPr lang="fr-FR" dirty="0"/>
+              <a:t>d’une place de cinéma</a:t>
+            </a:r>
+          </a:p>
+        </p:txBody>
+      </p:sp>
+    </p:spTree>
+    <p:extLst>
+      <p:ext uri="{BB962C8B-B14F-4D97-AF65-F5344CB8AC3E}">
+        <p14:creationId xmlns:p14="http://schemas.microsoft.com/office/powerpoint/2010/main" val="224171525"/>
+      </p:ext>
+    </p:extLst>
+  </p:cSld>
+  <p:clrMapOvr>
+    <a:masterClrMapping/>
+  </p:clrMapOvr>
+</p:sld>
+</file>
+
+<file path=ppt/slides/slide5.xml><?xml version="1.0" encoding="utf-8"?>
+<p:sld xmlns:a="http://schemas.openxmlformats.org/drawingml/2006/main" xmlns:r="http://schemas.openxmlformats.org/officeDocument/2006/relationships" xmlns:p="http://schemas.openxmlformats.org/presentationml/2006/main">
+  <p:cSld>
+    <p:spTree>
+      <p:nvGrpSpPr>
+        <p:cNvPr id="1" name=""/>
+        <p:cNvGrpSpPr/>
+        <p:nvPr/>
+      </p:nvGrpSpPr>
+      <p:grpSpPr>
+        <a:xfrm>
+          <a:off x="0" y="0"/>
+          <a:ext cx="0" cy="0"/>
+          <a:chOff x="0" y="0"/>
+          <a:chExt cx="0" cy="0"/>
+        </a:xfrm>
+      </p:grpSpPr>
+      <p:sp>
+        <p:nvSpPr>
+          <p:cNvPr id="2" name="Titre 1">
+            <a:extLst>
+              <a:ext uri="{FF2B5EF4-FFF2-40B4-BE49-F238E27FC236}">
+                <a16:creationId xmlns:a16="http://schemas.microsoft.com/office/drawing/2014/main" id="{A5932B4E-84BC-3A41-B601-E79768C5F369}"/>
+              </a:ext>
+            </a:extLst>
+          </p:cNvPr>
+          <p:cNvSpPr>
+            <a:spLocks noGrp="1"/>
+          </p:cNvSpPr>
+          <p:nvPr>
+            <p:ph type="title"/>
+          </p:nvPr>
+        </p:nvSpPr>
+        <p:spPr/>
+        <p:txBody>
+          <a:bodyPr>
+            <a:normAutofit/>
+          </a:bodyPr>
+          <a:lstStyle/>
+          <a:p>
+            <a:r>
+              <a:rPr lang="fr-FR" sz="3600" dirty="0"/>
+              <a:t>Une progression constante du nombre de séances depuis 1992</a:t>
+            </a:r>
+          </a:p>
+        </p:txBody>
+      </p:sp>
+      <p:pic>
+        <p:nvPicPr>
+          <p:cNvPr id="5" name="Espace réservé du contenu 4">
+            <a:extLst>
+              <a:ext uri="{FF2B5EF4-FFF2-40B4-BE49-F238E27FC236}">
+                <a16:creationId xmlns:a16="http://schemas.microsoft.com/office/drawing/2014/main" id="{D0702F1B-BF4F-2549-A8A8-E78A9C6602ED}"/>
+              </a:ext>
+            </a:extLst>
+          </p:cNvPr>
+          <p:cNvPicPr>
+            <a:picLocks noGrp="1" noChangeAspect="1"/>
+          </p:cNvPicPr>
+          <p:nvPr>
+            <p:ph idx="1"/>
+          </p:nvPr>
+        </p:nvPicPr>
+        <p:blipFill>
+          <a:blip r:embed="rId2"/>
+          <a:stretch>
+            <a:fillRect/>
+          </a:stretch>
+        </p:blipFill>
+        <p:spPr>
+          <a:xfrm>
+            <a:off x="2718895" y="1690688"/>
+            <a:ext cx="7177756" cy="5224985"/>
+          </a:xfrm>
+        </p:spPr>
+      </p:pic>
+    </p:spTree>
+    <p:extLst>
+      <p:ext uri="{BB962C8B-B14F-4D97-AF65-F5344CB8AC3E}">
+        <p14:creationId xmlns:p14="http://schemas.microsoft.com/office/powerpoint/2010/main" val="740341198"/>
+      </p:ext>
+    </p:extLst>
+  </p:cSld>
+  <p:clrMapOvr>
+    <a:masterClrMapping/>
+  </p:clrMapOvr>
+</p:sld>
+</file>
+
+<file path=ppt/slides/slide6.xml><?xml version="1.0" encoding="utf-8"?>
+<p:sld xmlns:a="http://schemas.openxmlformats.org/drawingml/2006/main" xmlns:r="http://schemas.openxmlformats.org/officeDocument/2006/relationships" xmlns:p="http://schemas.openxmlformats.org/presentationml/2006/main">
+  <p:cSld>
+    <p:spTree>
+      <p:nvGrpSpPr>
+        <p:cNvPr id="1" name=""/>
+        <p:cNvGrpSpPr/>
+        <p:nvPr/>
+      </p:nvGrpSpPr>
+      <p:grpSpPr>
+        <a:xfrm>
+          <a:off x="0" y="0"/>
+          <a:ext cx="0" cy="0"/>
+          <a:chOff x="0" y="0"/>
+          <a:chExt cx="0" cy="0"/>
+        </a:xfrm>
+      </p:grpSpPr>
+      <p:sp>
+        <p:nvSpPr>
+          <p:cNvPr id="2" name="Titre 1">
+            <a:extLst>
+              <a:ext uri="{FF2B5EF4-FFF2-40B4-BE49-F238E27FC236}">
+                <a16:creationId xmlns:a16="http://schemas.microsoft.com/office/drawing/2014/main" id="{37E92175-324F-4D46-8E5F-EBDB9DC38FE4}"/>
+              </a:ext>
+            </a:extLst>
+          </p:cNvPr>
+          <p:cNvSpPr>
+            <a:spLocks noGrp="1"/>
+          </p:cNvSpPr>
+          <p:nvPr>
+            <p:ph type="title"/>
+          </p:nvPr>
+        </p:nvSpPr>
+        <p:spPr/>
+        <p:txBody>
+          <a:bodyPr>
+            <a:normAutofit/>
+          </a:bodyPr>
+          <a:lstStyle/>
+          <a:p>
+            <a:r>
+              <a:rPr lang="fr-FR" sz="3200" dirty="0"/>
+              <a:t>Les films français de plus en plus présents dans les salles des cinéma</a:t>
+            </a:r>
+          </a:p>
+        </p:txBody>
+      </p:sp>
+      <p:pic>
+        <p:nvPicPr>
+          <p:cNvPr id="5" name="Espace réservé du contenu 4">
+            <a:extLst>
+              <a:ext uri="{FF2B5EF4-FFF2-40B4-BE49-F238E27FC236}">
+                <a16:creationId xmlns:a16="http://schemas.microsoft.com/office/drawing/2014/main" id="{B0506D2B-5748-114E-AC03-469F19D76EB2}"/>
+              </a:ext>
+            </a:extLst>
+          </p:cNvPr>
+          <p:cNvPicPr>
+            <a:picLocks noGrp="1" noChangeAspect="1"/>
+          </p:cNvPicPr>
+          <p:nvPr>
+            <p:ph idx="1"/>
+          </p:nvPr>
+        </p:nvPicPr>
+        <p:blipFill>
+          <a:blip r:embed="rId2"/>
+          <a:stretch>
+            <a:fillRect/>
+          </a:stretch>
+        </p:blipFill>
+        <p:spPr>
+          <a:xfrm>
+            <a:off x="2008920" y="1625001"/>
+            <a:ext cx="7661174" cy="5232999"/>
+          </a:xfrm>
+        </p:spPr>
+      </p:pic>
+    </p:spTree>
+    <p:extLst>
+      <p:ext uri="{BB962C8B-B14F-4D97-AF65-F5344CB8AC3E}">
+        <p14:creationId xmlns:p14="http://schemas.microsoft.com/office/powerpoint/2010/main" val="1204121015"/>
       </p:ext>
     </p:extLst>
   </p:cSld>
